--- a/Project-Docs/Presentation/DIP392-LabCyberDocs Final Presentation.pptx
+++ b/Project-Docs/Presentation/DIP392-LabCyberDocs Final Presentation.pptx
@@ -17297,6 +17297,45 @@
               <a:t>]</a:t>
             </a:r>
             <a:endParaRPr dirty="0"/>
+          </a:p>
+        </p:txBody>
+      </p:sp>
+      <p:sp>
+        <p:nvSpPr>
+          <p:cNvPr id="2" name="TextBox 1">
+            <a:extLst>
+              <a:ext uri="{FF2B5EF4-FFF2-40B4-BE49-F238E27FC236}">
+                <a16:creationId xmlns:a16="http://schemas.microsoft.com/office/drawing/2014/main" id="{C6CBC0AB-DB80-8909-F358-4FD8307BE5A2}"/>
+              </a:ext>
+            </a:extLst>
+          </p:cNvPr>
+          <p:cNvSpPr txBox="1"/>
+          <p:nvPr/>
+        </p:nvSpPr>
+        <p:spPr>
+          <a:xfrm>
+            <a:off x="1470660" y="2396103"/>
+            <a:ext cx="5494020" cy="307777"/>
+          </a:xfrm>
+          <a:prstGeom prst="rect">
+            <a:avLst/>
+          </a:prstGeom>
+          <a:noFill/>
+        </p:spPr>
+        <p:txBody>
+          <a:bodyPr wrap="square" rtlCol="0">
+            <a:spAutoFit/>
+          </a:bodyPr>
+          <a:lstStyle/>
+          <a:p>
+            <a:r>
+              <a:rPr lang="en-US" dirty="0">
+                <a:solidFill>
+                  <a:schemeClr val="tx1"/>
+                </a:solidFill>
+              </a:rPr>
+              <a:t>Team 5 of Section 005 </a:t>
+            </a:r>
           </a:p>
         </p:txBody>
       </p:sp>
